--- a/images/record/Jetson_Nano_Cluster_Build/Jetson_Nano_Cluster_Build.pptx
+++ b/images/record/Jetson_Nano_Cluster_Build/Jetson_Nano_Cluster_Build.pptx
@@ -217,7 +217,7 @@
           <a:p>
             <a:fld id="{6CD5550B-26C4-49A9-A5BA-636EF7BE6CE9}" type="datetimeFigureOut">
               <a:rPr lang="ko-KR" altLang="en-US" smtClean="0"/>
-              <a:t>2020-04-18</a:t>
+              <a:t>2020-04-19</a:t>
             </a:fld>
             <a:endParaRPr lang="ko-KR" altLang="en-US"/>
           </a:p>
@@ -999,7 +999,7 @@
           <a:p>
             <a:fld id="{FB30EDBD-1C2D-4C1E-B459-B60219FAB484}" type="datetimeFigureOut">
               <a:rPr lang="ko-KR" altLang="en-US" smtClean="0"/>
-              <a:t>2020-04-18</a:t>
+              <a:t>2020-04-19</a:t>
             </a:fld>
             <a:endParaRPr lang="ko-KR" altLang="en-US"/>
           </a:p>
@@ -1162,7 +1162,7 @@
           <a:p>
             <a:fld id="{FB30EDBD-1C2D-4C1E-B459-B60219FAB484}" type="datetimeFigureOut">
               <a:rPr lang="ko-KR" altLang="en-US" smtClean="0"/>
-              <a:t>2020-04-18</a:t>
+              <a:t>2020-04-19</a:t>
             </a:fld>
             <a:endParaRPr lang="ko-KR" altLang="en-US"/>
           </a:p>
@@ -1335,7 +1335,7 @@
           <a:p>
             <a:fld id="{FB30EDBD-1C2D-4C1E-B459-B60219FAB484}" type="datetimeFigureOut">
               <a:rPr lang="ko-KR" altLang="en-US" smtClean="0"/>
-              <a:t>2020-04-18</a:t>
+              <a:t>2020-04-19</a:t>
             </a:fld>
             <a:endParaRPr lang="ko-KR" altLang="en-US"/>
           </a:p>
@@ -1498,7 +1498,7 @@
           <a:p>
             <a:fld id="{FB30EDBD-1C2D-4C1E-B459-B60219FAB484}" type="datetimeFigureOut">
               <a:rPr lang="ko-KR" altLang="en-US" smtClean="0"/>
-              <a:t>2020-04-18</a:t>
+              <a:t>2020-04-19</a:t>
             </a:fld>
             <a:endParaRPr lang="ko-KR" altLang="en-US"/>
           </a:p>
@@ -1738,7 +1738,7 @@
           <a:p>
             <a:fld id="{FB30EDBD-1C2D-4C1E-B459-B60219FAB484}" type="datetimeFigureOut">
               <a:rPr lang="ko-KR" altLang="en-US" smtClean="0"/>
-              <a:t>2020-04-18</a:t>
+              <a:t>2020-04-19</a:t>
             </a:fld>
             <a:endParaRPr lang="ko-KR" altLang="en-US"/>
           </a:p>
@@ -2018,7 +2018,7 @@
           <a:p>
             <a:fld id="{FB30EDBD-1C2D-4C1E-B459-B60219FAB484}" type="datetimeFigureOut">
               <a:rPr lang="ko-KR" altLang="en-US" smtClean="0"/>
-              <a:t>2020-04-18</a:t>
+              <a:t>2020-04-19</a:t>
             </a:fld>
             <a:endParaRPr lang="ko-KR" altLang="en-US"/>
           </a:p>
@@ -2432,7 +2432,7 @@
           <a:p>
             <a:fld id="{FB30EDBD-1C2D-4C1E-B459-B60219FAB484}" type="datetimeFigureOut">
               <a:rPr lang="ko-KR" altLang="en-US" smtClean="0"/>
-              <a:t>2020-04-18</a:t>
+              <a:t>2020-04-19</a:t>
             </a:fld>
             <a:endParaRPr lang="ko-KR" altLang="en-US"/>
           </a:p>
@@ -2544,7 +2544,7 @@
           <a:p>
             <a:fld id="{FB30EDBD-1C2D-4C1E-B459-B60219FAB484}" type="datetimeFigureOut">
               <a:rPr lang="ko-KR" altLang="en-US" smtClean="0"/>
-              <a:t>2020-04-18</a:t>
+              <a:t>2020-04-19</a:t>
             </a:fld>
             <a:endParaRPr lang="ko-KR" altLang="en-US"/>
           </a:p>
@@ -2634,7 +2634,7 @@
           <a:p>
             <a:fld id="{FB30EDBD-1C2D-4C1E-B459-B60219FAB484}" type="datetimeFigureOut">
               <a:rPr lang="ko-KR" altLang="en-US" smtClean="0"/>
-              <a:t>2020-04-18</a:t>
+              <a:t>2020-04-19</a:t>
             </a:fld>
             <a:endParaRPr lang="ko-KR" altLang="en-US"/>
           </a:p>
@@ -2904,7 +2904,7 @@
           <a:p>
             <a:fld id="{FB30EDBD-1C2D-4C1E-B459-B60219FAB484}" type="datetimeFigureOut">
               <a:rPr lang="ko-KR" altLang="en-US" smtClean="0"/>
-              <a:t>2020-04-18</a:t>
+              <a:t>2020-04-19</a:t>
             </a:fld>
             <a:endParaRPr lang="ko-KR" altLang="en-US"/>
           </a:p>
@@ -3151,7 +3151,7 @@
           <a:p>
             <a:fld id="{FB30EDBD-1C2D-4C1E-B459-B60219FAB484}" type="datetimeFigureOut">
               <a:rPr lang="ko-KR" altLang="en-US" smtClean="0"/>
-              <a:t>2020-04-18</a:t>
+              <a:t>2020-04-19</a:t>
             </a:fld>
             <a:endParaRPr lang="ko-KR" altLang="en-US"/>
           </a:p>
@@ -3357,7 +3357,7 @@
           <a:p>
             <a:fld id="{FB30EDBD-1C2D-4C1E-B459-B60219FAB484}" type="datetimeFigureOut">
               <a:rPr lang="ko-KR" altLang="en-US" smtClean="0"/>
-              <a:t>2020-04-18</a:t>
+              <a:t>2020-04-19</a:t>
             </a:fld>
             <a:endParaRPr lang="ko-KR" altLang="en-US"/>
           </a:p>
@@ -3855,7 +3855,7 @@
             <a:pPr algn="ctr"/>
             <a:r>
               <a:rPr lang="en-US" altLang="ko-KR" sz="1100"/>
-              <a:t>192.168.0.71</a:t>
+              <a:t>192.168.0.41</a:t>
             </a:r>
             <a:endParaRPr lang="en-US" altLang="ko-KR" sz="1100" dirty="0"/>
           </a:p>
@@ -4028,7 +4028,7 @@
             <a:pPr algn="ctr"/>
             <a:r>
               <a:rPr lang="en-US" altLang="ko-KR" sz="1100"/>
-              <a:t>192.168.0.72</a:t>
+              <a:t>192.168.0.42</a:t>
             </a:r>
             <a:endParaRPr lang="en-US" altLang="ko-KR" sz="1100" dirty="0"/>
           </a:p>
@@ -4201,7 +4201,7 @@
             <a:pPr algn="ctr"/>
             <a:r>
               <a:rPr lang="en-US" altLang="ko-KR" sz="1100"/>
-              <a:t>192.168.0.73</a:t>
+              <a:t>192.168.0.43</a:t>
             </a:r>
             <a:endParaRPr lang="en-US" altLang="ko-KR" sz="1100" dirty="0"/>
           </a:p>
@@ -4374,7 +4374,7 @@
             <a:pPr algn="ctr"/>
             <a:r>
               <a:rPr lang="en-US" altLang="ko-KR" sz="1100"/>
-              <a:t>192.168.0.74</a:t>
+              <a:t>192.168.0.44</a:t>
             </a:r>
             <a:endParaRPr lang="en-US" altLang="ko-KR" sz="1100" dirty="0"/>
           </a:p>
@@ -4940,7 +4940,7 @@
             <a:pPr algn="ctr"/>
             <a:r>
               <a:rPr lang="en-US" altLang="ko-KR" sz="1100"/>
-              <a:t>192.168.0.71</a:t>
+              <a:t>192.168.0.41</a:t>
             </a:r>
             <a:endParaRPr lang="en-US" altLang="ko-KR" sz="1100" dirty="0"/>
           </a:p>
@@ -5113,7 +5113,7 @@
             <a:pPr algn="ctr"/>
             <a:r>
               <a:rPr lang="en-US" altLang="ko-KR" sz="1100"/>
-              <a:t>192.168.0.72</a:t>
+              <a:t>192.168.0.42</a:t>
             </a:r>
             <a:endParaRPr lang="en-US" altLang="ko-KR" sz="1100" dirty="0"/>
           </a:p>
@@ -5286,7 +5286,7 @@
             <a:pPr algn="ctr"/>
             <a:r>
               <a:rPr lang="en-US" altLang="ko-KR" sz="1100"/>
-              <a:t>192.168.0.73</a:t>
+              <a:t>192.168.0.43</a:t>
             </a:r>
             <a:endParaRPr lang="en-US" altLang="ko-KR" sz="1100" dirty="0"/>
           </a:p>
@@ -5459,7 +5459,7 @@
             <a:pPr algn="ctr"/>
             <a:r>
               <a:rPr lang="en-US" altLang="ko-KR" sz="1100"/>
-              <a:t>192.168.0.74</a:t>
+              <a:t>192.168.0.44</a:t>
             </a:r>
             <a:endParaRPr lang="en-US" altLang="ko-KR" sz="1100" dirty="0"/>
           </a:p>
@@ -6055,7 +6055,7 @@
             <a:pPr algn="ctr"/>
             <a:r>
               <a:rPr lang="en-US" altLang="ko-KR" sz="1100"/>
-              <a:t>192.168.0.71</a:t>
+              <a:t>192.168.0.41</a:t>
             </a:r>
             <a:endParaRPr lang="en-US" altLang="ko-KR" sz="1100" dirty="0"/>
           </a:p>
@@ -6228,7 +6228,7 @@
             <a:pPr algn="ctr"/>
             <a:r>
               <a:rPr lang="en-US" altLang="ko-KR" sz="1100"/>
-              <a:t>192.168.0.72</a:t>
+              <a:t>192.168.0.42</a:t>
             </a:r>
             <a:endParaRPr lang="en-US" altLang="ko-KR" sz="1100" dirty="0"/>
           </a:p>
@@ -6401,7 +6401,7 @@
             <a:pPr algn="ctr"/>
             <a:r>
               <a:rPr lang="en-US" altLang="ko-KR" sz="1100"/>
-              <a:t>192.168.0.73</a:t>
+              <a:t>192.168.0.43</a:t>
             </a:r>
             <a:endParaRPr lang="en-US" altLang="ko-KR" sz="1100" dirty="0"/>
           </a:p>
@@ -6574,7 +6574,7 @@
             <a:pPr algn="ctr"/>
             <a:r>
               <a:rPr lang="en-US" altLang="ko-KR" sz="1100"/>
-              <a:t>192.168.0.74</a:t>
+              <a:t>192.168.0.44</a:t>
             </a:r>
             <a:endParaRPr lang="en-US" altLang="ko-KR" sz="1100" dirty="0"/>
           </a:p>
@@ -7301,7 +7301,7 @@
             <a:pPr algn="ctr"/>
             <a:r>
               <a:rPr lang="en-US" altLang="ko-KR" sz="1100"/>
-              <a:t>192.168.0.71</a:t>
+              <a:t>192.168.0.41</a:t>
             </a:r>
             <a:endParaRPr lang="en-US" altLang="ko-KR" sz="1100" dirty="0"/>
           </a:p>
@@ -7474,7 +7474,7 @@
             <a:pPr algn="ctr"/>
             <a:r>
               <a:rPr lang="en-US" altLang="ko-KR" sz="1100"/>
-              <a:t>192.168.0.72</a:t>
+              <a:t>192.168.0.42</a:t>
             </a:r>
             <a:endParaRPr lang="en-US" altLang="ko-KR" sz="1100" dirty="0"/>
           </a:p>
@@ -7647,7 +7647,7 @@
             <a:pPr algn="ctr"/>
             <a:r>
               <a:rPr lang="en-US" altLang="ko-KR" sz="1100"/>
-              <a:t>192.168.0.73</a:t>
+              <a:t>192.168.0.43</a:t>
             </a:r>
             <a:endParaRPr lang="en-US" altLang="ko-KR" sz="1100" dirty="0"/>
           </a:p>
@@ -7820,7 +7820,7 @@
             <a:pPr algn="ctr"/>
             <a:r>
               <a:rPr lang="en-US" altLang="ko-KR" sz="1100"/>
-              <a:t>192.168.0.74</a:t>
+              <a:t>192.168.0.44</a:t>
             </a:r>
             <a:endParaRPr lang="en-US" altLang="ko-KR" sz="1100" dirty="0"/>
           </a:p>
